--- a/산출물/최종 ppt 제작중/팀별 프로젝트 수행 결과 작성 양식.pptx
+++ b/산출물/최종 ppt 제작중/팀별 프로젝트 수행 결과 작성 양식.pptx
@@ -1,55 +1,28 @@
 
 <file path=ppt/presentation.xml><?xml version="1.0" encoding="utf-8"?>
-<p:presentation xmlns:a="http://schemas.openxmlformats.org/drawingml/2006/main" xmlns:r="http://schemas.openxmlformats.org/officeDocument/2006/relationships" xmlns:p="http://schemas.openxmlformats.org/presentationml/2006/main" embedTrueTypeFonts="1" saveSubsetFonts="1">
+<p:presentation xmlns:r="http://schemas.openxmlformats.org/officeDocument/2006/relationships" xmlns:c="http://schemas.openxmlformats.org/drawingml/2006/chart" xmlns:a="http://schemas.openxmlformats.org/drawingml/2006/main" xmlns:dgm="http://schemas.openxmlformats.org/drawingml/2006/diagram" xmlns:dsp="http://schemas.microsoft.com/office/drawing/2008/diagram" xmlns:p="http://schemas.openxmlformats.org/presentationml/2006/main" embedTrueTypeFonts="1" saveSubsetFonts="1">
   <p:sldMasterIdLst>
-    <p:sldMasterId id="2147483744" r:id="rId1"/>
+    <p:sldMasterId id="2147483824" r:id="rId1"/>
   </p:sldMasterIdLst>
   <p:notesMasterIdLst>
-    <p:notesMasterId r:id="rId14"/>
+    <p:notesMasterId r:id="rId2"/>
   </p:notesMasterIdLst>
   <p:sldIdLst>
-    <p:sldId id="256" r:id="rId2"/>
-    <p:sldId id="258" r:id="rId3"/>
-    <p:sldId id="296" r:id="rId4"/>
-    <p:sldId id="297" r:id="rId5"/>
-    <p:sldId id="298" r:id="rId6"/>
-    <p:sldId id="288" r:id="rId7"/>
-    <p:sldId id="270" r:id="rId8"/>
-    <p:sldId id="290" r:id="rId9"/>
-    <p:sldId id="289" r:id="rId10"/>
-    <p:sldId id="291" r:id="rId11"/>
-    <p:sldId id="294" r:id="rId12"/>
-    <p:sldId id="282" r:id="rId13"/>
+    <p:sldId id="256" r:id="rId3"/>
+    <p:sldId id="257" r:id="rId4"/>
+    <p:sldId id="258" r:id="rId5"/>
+    <p:sldId id="259" r:id="rId6"/>
+    <p:sldId id="260" r:id="rId7"/>
+    <p:sldId id="261" r:id="rId8"/>
+    <p:sldId id="262" r:id="rId9"/>
+    <p:sldId id="263" r:id="rId10"/>
+    <p:sldId id="264" r:id="rId11"/>
+    <p:sldId id="265" r:id="rId12"/>
+    <p:sldId id="266" r:id="rId13"/>
+    <p:sldId id="267" r:id="rId14"/>
   </p:sldIdLst>
   <p:sldSz cx="12192000" cy="6858000"/>
   <p:notesSz cx="6858000" cy="9144000"/>
-  <p:embeddedFontLst>
-    <p:embeddedFont>
-      <p:font typeface="HY견고딕" panose="02030600000101010101" pitchFamily="18" charset="-127"/>
-      <p:regular r:id="rId15"/>
-    </p:embeddedFont>
-    <p:embeddedFont>
-      <p:font typeface="Calibri Light" panose="020F0302020204030204" pitchFamily="34" charset="0"/>
-      <p:regular r:id="rId16"/>
-      <p:italic r:id="rId17"/>
-    </p:embeddedFont>
-    <p:embeddedFont>
-      <p:font typeface="Calibri" panose="020F0502020204030204" pitchFamily="34" charset="0"/>
-      <p:regular r:id="rId18"/>
-      <p:bold r:id="rId19"/>
-      <p:italic r:id="rId20"/>
-      <p:boldItalic r:id="rId21"/>
-    </p:embeddedFont>
-    <p:embeddedFont>
-      <p:font typeface="맑은 고딕" panose="020B0503020000020004" pitchFamily="50" charset="-127"/>
-      <p:regular r:id="rId22"/>
-      <p:bold r:id="rId23"/>
-    </p:embeddedFont>
-    <p:embeddedFont>
-      <p:font typeface="휴먼둥근헤드라인" panose="02030504000101010101" pitchFamily="18" charset="-127"/>
-      <p:regular r:id="rId24"/>
-    </p:embeddedFont>
-  </p:embeddedFontLst>
   <p:defaultTextStyle>
     <a:defPPr>
       <a:defRPr lang="ko-KR"/>
@@ -65,8 +38,8 @@
         <a:solidFill>
           <a:schemeClr val="tx1"/>
         </a:solidFill>
-        <a:latin typeface="Calibri" panose="020F0502020204030204" pitchFamily="34" charset="0"/>
-        <a:ea typeface="맑은 고딕" panose="020B0503020000020004" pitchFamily="50" charset="-127"/>
+        <a:latin typeface="Calibri"/>
+        <a:ea typeface="맑은 고딕"/>
         <a:cs typeface="+mn-cs"/>
       </a:defRPr>
     </a:lvl1pPr>
@@ -81,8 +54,8 @@
         <a:solidFill>
           <a:schemeClr val="tx1"/>
         </a:solidFill>
-        <a:latin typeface="Calibri" panose="020F0502020204030204" pitchFamily="34" charset="0"/>
-        <a:ea typeface="맑은 고딕" panose="020B0503020000020004" pitchFamily="50" charset="-127"/>
+        <a:latin typeface="Calibri"/>
+        <a:ea typeface="맑은 고딕"/>
         <a:cs typeface="+mn-cs"/>
       </a:defRPr>
     </a:lvl2pPr>
@@ -97,8 +70,8 @@
         <a:solidFill>
           <a:schemeClr val="tx1"/>
         </a:solidFill>
-        <a:latin typeface="Calibri" panose="020F0502020204030204" pitchFamily="34" charset="0"/>
-        <a:ea typeface="맑은 고딕" panose="020B0503020000020004" pitchFamily="50" charset="-127"/>
+        <a:latin typeface="Calibri"/>
+        <a:ea typeface="맑은 고딕"/>
         <a:cs typeface="+mn-cs"/>
       </a:defRPr>
     </a:lvl3pPr>
@@ -113,8 +86,8 @@
         <a:solidFill>
           <a:schemeClr val="tx1"/>
         </a:solidFill>
-        <a:latin typeface="Calibri" panose="020F0502020204030204" pitchFamily="34" charset="0"/>
-        <a:ea typeface="맑은 고딕" panose="020B0503020000020004" pitchFamily="50" charset="-127"/>
+        <a:latin typeface="Calibri"/>
+        <a:ea typeface="맑은 고딕"/>
         <a:cs typeface="+mn-cs"/>
       </a:defRPr>
     </a:lvl4pPr>
@@ -129,8 +102,8 @@
         <a:solidFill>
           <a:schemeClr val="tx1"/>
         </a:solidFill>
-        <a:latin typeface="Calibri" panose="020F0502020204030204" pitchFamily="34" charset="0"/>
-        <a:ea typeface="맑은 고딕" panose="020B0503020000020004" pitchFamily="50" charset="-127"/>
+        <a:latin typeface="Calibri"/>
+        <a:ea typeface="맑은 고딕"/>
         <a:cs typeface="+mn-cs"/>
       </a:defRPr>
     </a:lvl5pPr>
@@ -139,8 +112,8 @@
         <a:solidFill>
           <a:schemeClr val="tx1"/>
         </a:solidFill>
-        <a:latin typeface="Calibri" panose="020F0502020204030204" pitchFamily="34" charset="0"/>
-        <a:ea typeface="맑은 고딕" panose="020B0503020000020004" pitchFamily="50" charset="-127"/>
+        <a:latin typeface="Calibri"/>
+        <a:ea typeface="맑은 고딕"/>
         <a:cs typeface="+mn-cs"/>
       </a:defRPr>
     </a:lvl6pPr>
@@ -149,8 +122,8 @@
         <a:solidFill>
           <a:schemeClr val="tx1"/>
         </a:solidFill>
-        <a:latin typeface="Calibri" panose="020F0502020204030204" pitchFamily="34" charset="0"/>
-        <a:ea typeface="맑은 고딕" panose="020B0503020000020004" pitchFamily="50" charset="-127"/>
+        <a:latin typeface="Calibri"/>
+        <a:ea typeface="맑은 고딕"/>
         <a:cs typeface="+mn-cs"/>
       </a:defRPr>
     </a:lvl7pPr>
@@ -159,8 +132,8 @@
         <a:solidFill>
           <a:schemeClr val="tx1"/>
         </a:solidFill>
-        <a:latin typeface="Calibri" panose="020F0502020204030204" pitchFamily="34" charset="0"/>
-        <a:ea typeface="맑은 고딕" panose="020B0503020000020004" pitchFamily="50" charset="-127"/>
+        <a:latin typeface="Calibri"/>
+        <a:ea typeface="맑은 고딕"/>
         <a:cs typeface="+mn-cs"/>
       </a:defRPr>
     </a:lvl8pPr>
@@ -169,41 +142,12 @@
         <a:solidFill>
           <a:schemeClr val="tx1"/>
         </a:solidFill>
-        <a:latin typeface="Calibri" panose="020F0502020204030204" pitchFamily="34" charset="0"/>
-        <a:ea typeface="맑은 고딕" panose="020B0503020000020004" pitchFamily="50" charset="-127"/>
+        <a:latin typeface="Calibri"/>
+        <a:ea typeface="맑은 고딕"/>
         <a:cs typeface="+mn-cs"/>
       </a:defRPr>
     </a:lvl9pPr>
   </p:defaultTextStyle>
-  <p:extLst>
-    <p:ext uri="{EFAFB233-063F-42B5-8137-9DF3F51BA10A}">
-      <p15:sldGuideLst xmlns:p15="http://schemas.microsoft.com/office/powerpoint/2012/main">
-        <p15:guide id="1" orient="horz" pos="2160">
-          <p15:clr>
-            <a:srgbClr val="A4A3A4"/>
-          </p15:clr>
-        </p15:guide>
-        <p15:guide id="2" pos="3840">
-          <p15:clr>
-            <a:srgbClr val="A4A3A4"/>
-          </p15:clr>
-        </p15:guide>
-        <p15:guide id="3" orient="horz" pos="2273" userDrawn="1">
-          <p15:clr>
-            <a:srgbClr val="A4A3A4"/>
-          </p15:clr>
-        </p15:guide>
-        <p15:guide id="4" orient="horz" pos="2364" userDrawn="1">
-          <p15:clr>
-            <a:srgbClr val="A4A3A4"/>
-          </p15:clr>
-        </p15:guide>
-      </p15:sldGuideLst>
-    </p:ext>
-    <p:ext uri="{2D200454-40CA-4A62-9FC3-DE9A4176ACB9}">
-      <p15:notesGuideLst xmlns:p15="http://schemas.microsoft.com/office/powerpoint/2012/main"/>
-    </p:ext>
-  </p:extLst>
 </p:presentation>
 </file>
 
@@ -4962,14 +4906,13 @@
 </file>
 
 <file path=ppt/notesMasters/notesMaster1.xml><?xml version="1.0" encoding="utf-8"?>
-<p:notesMaster xmlns:a="http://schemas.openxmlformats.org/drawingml/2006/main" xmlns:r="http://schemas.openxmlformats.org/officeDocument/2006/relationships" xmlns:p="http://schemas.openxmlformats.org/presentationml/2006/main">
+<p:notesMaster xmlns:r="http://schemas.openxmlformats.org/officeDocument/2006/relationships" xmlns:c="http://schemas.openxmlformats.org/drawingml/2006/chart" xmlns:a="http://schemas.openxmlformats.org/drawingml/2006/main" xmlns:dgm="http://schemas.openxmlformats.org/drawingml/2006/diagram" xmlns:dsp="http://schemas.microsoft.com/office/drawing/2008/diagram" xmlns:p="http://schemas.openxmlformats.org/presentationml/2006/main">
   <p:cSld>
     <p:bg>
-      <p:bgPr>
+      <p:bgPr shadeToTitle="0">
         <a:solidFill>
           <a:schemeClr val="bg1"/>
         </a:solidFill>
-        <a:effectLst/>
       </p:bgPr>
     </p:bg>
     <p:spTree>
@@ -4988,18 +4931,12 @@
       </p:grpSpPr>
       <p:sp>
         <p:nvSpPr>
-          <p:cNvPr id="2" name="머리글 개체 틀 1">
-            <a:extLst>
-              <a:ext uri="{FF2B5EF4-FFF2-40B4-BE49-F238E27FC236}">
-                <a16:creationId xmlns:a16="http://schemas.microsoft.com/office/drawing/2014/main" id="{F4B13090-954C-42B8-9E26-10AE906BFE1E}"/>
-              </a:ext>
-            </a:extLst>
-          </p:cNvPr>
+          <p:cNvPr id="2" name="머리글 개체 틀 1"/>
           <p:cNvSpPr>
             <a:spLocks noGrp="1"/>
           </p:cNvSpPr>
           <p:nvPr>
-            <p:ph type="hdr" sz="quarter"/>
+            <p:ph type="hdr" sz="quarter" idx="0"/>
           </p:nvPr>
         </p:nvSpPr>
         <p:spPr>
@@ -5012,7 +4949,7 @@
           </a:prstGeom>
         </p:spPr>
         <p:txBody>
-          <a:bodyPr vert="horz" lIns="91440" tIns="45720" rIns="91440" bIns="45720" rtlCol="0"/>
+          <a:bodyPr vert="horz" lIns="91440" tIns="45720" rIns="91440" bIns="45720"/>
           <a:lstStyle>
             <a:lvl1pPr algn="l">
               <a:defRPr sz="1200"/>
@@ -5020,21 +4957,19 @@
           </a:lstStyle>
           <a:p>
             <a:pPr>
-              <a:defRPr/>
+              <a:defRPr lang="ko-KR"/>
             </a:pPr>
+            <a:r>
+              <a:rPr lang="ko-KR" altLang="en-US"/>
+              <a:t/>
+            </a:r>
             <a:endParaRPr lang="ko-KR" altLang="en-US"/>
           </a:p>
         </p:txBody>
       </p:sp>
       <p:sp>
         <p:nvSpPr>
-          <p:cNvPr id="3" name="날짜 개체 틀 2">
-            <a:extLst>
-              <a:ext uri="{FF2B5EF4-FFF2-40B4-BE49-F238E27FC236}">
-                <a16:creationId xmlns:a16="http://schemas.microsoft.com/office/drawing/2014/main" id="{6CB5573C-C310-4726-9454-5731CB3903B1}"/>
-              </a:ext>
-            </a:extLst>
-          </p:cNvPr>
+          <p:cNvPr id="3" name="날짜 개체 틀 2"/>
           <p:cNvSpPr>
             <a:spLocks noGrp="1"/>
           </p:cNvSpPr>
@@ -5052,7 +4987,7 @@
           </a:prstGeom>
         </p:spPr>
         <p:txBody>
-          <a:bodyPr vert="horz" lIns="91440" tIns="45720" rIns="91440" bIns="45720" rtlCol="0"/>
+          <a:bodyPr vert="horz" lIns="91440" tIns="45720" rIns="91440" bIns="45720"/>
           <a:lstStyle>
             <a:lvl1pPr algn="r">
               <a:defRPr sz="1200"/>
@@ -5060,14 +4995,14 @@
           </a:lstStyle>
           <a:p>
             <a:pPr>
-              <a:defRPr/>
+              <a:defRPr lang="ko-KR"/>
             </a:pPr>
-            <a:fld id="{0B23E853-DAFB-42BA-8E42-DDF83CF398B2}" type="datetimeFigureOut">
+            <a:fld id="{0B23E853-DAFB-42BA-8E42-DDF83CF398B2}" type="datetime1">
               <a:rPr lang="ko-KR" altLang="en-US"/>
               <a:pPr>
-                <a:defRPr/>
+                <a:defRPr lang="ko-KR"/>
               </a:pPr>
-              <a:t>2023-08-14</a:t>
+              <a:t>2023-08-15</a:t>
             </a:fld>
             <a:endParaRPr lang="ko-KR" altLang="en-US"/>
           </a:p>
@@ -5075,15 +5010,9 @@
       </p:sp>
       <p:sp>
         <p:nvSpPr>
-          <p:cNvPr id="4" name="슬라이드 이미지 개체 틀 3">
-            <a:extLst>
-              <a:ext uri="{FF2B5EF4-FFF2-40B4-BE49-F238E27FC236}">
-                <a16:creationId xmlns:a16="http://schemas.microsoft.com/office/drawing/2014/main" id="{FD22152C-1816-43C7-B775-5E35B9F1B46B}"/>
-              </a:ext>
-            </a:extLst>
-          </p:cNvPr>
+          <p:cNvPr id="4" name="슬라이드 이미지 개체 틀 3"/>
           <p:cNvSpPr>
-            <a:spLocks noGrp="1" noRot="1" noChangeAspect="1"/>
+            <a:spLocks noGrp="1" noRot="1" noChangeAspect="1" noTextEdit="1"/>
           </p:cNvSpPr>
           <p:nvPr>
             <p:ph type="sldImg" idx="2"/>
@@ -5105,23 +5034,23 @@
           </a:ln>
         </p:spPr>
         <p:txBody>
-          <a:bodyPr vert="horz" lIns="91440" tIns="45720" rIns="91440" bIns="45720" rtlCol="0" anchor="ctr"/>
+          <a:bodyPr vert="horz" lIns="91440" tIns="45720" rIns="91440" bIns="45720" anchor="ctr"/>
           <a:lstStyle/>
           <a:p>
-            <a:pPr lvl="0"/>
-            <a:endParaRPr lang="ko-KR" altLang="en-US" noProof="0"/>
+            <a:pPr lvl="0">
+              <a:defRPr lang="ko-KR" altLang="en-US"/>
+            </a:pPr>
+            <a:r>
+              <a:rPr lang="ko-KR" altLang="en-US"/>
+              <a:t/>
+            </a:r>
+            <a:endParaRPr lang="ko-KR" altLang="en-US"/>
           </a:p>
         </p:txBody>
       </p:sp>
       <p:sp>
         <p:nvSpPr>
-          <p:cNvPr id="5" name="슬라이드 노트 개체 틀 4">
-            <a:extLst>
-              <a:ext uri="{FF2B5EF4-FFF2-40B4-BE49-F238E27FC236}">
-                <a16:creationId xmlns:a16="http://schemas.microsoft.com/office/drawing/2014/main" id="{0B8D62B9-6FD8-43F2-9E77-9978E5CE9096}"/>
-              </a:ext>
-            </a:extLst>
-          </p:cNvPr>
+          <p:cNvPr id="5" name="슬라이드 노트 개체 틀 4"/>
           <p:cNvSpPr>
             <a:spLocks noGrp="1"/>
           </p:cNvSpPr>
@@ -5139,54 +5068,63 @@
           </a:prstGeom>
         </p:spPr>
         <p:txBody>
-          <a:bodyPr vert="horz" lIns="91440" tIns="45720" rIns="91440" bIns="45720" rtlCol="0"/>
+          <a:bodyPr vert="horz" lIns="91440" tIns="45720" rIns="91440" bIns="45720"/>
           <a:lstStyle/>
           <a:p>
-            <a:pPr lvl="0"/>
-            <a:r>
-              <a:rPr lang="ko-KR" altLang="en-US" noProof="0"/>
-              <a:t>마스터 텍스트 스타일 편집</a:t>
-            </a:r>
+            <a:pPr lvl="0">
+              <a:defRPr lang="ko-KR" altLang="en-US"/>
+            </a:pPr>
+            <a:r>
+              <a:rPr lang="ko-KR" altLang="en-US"/>
+              <a:t>마스터 텍스트 스타일을 편집합니다</a:t>
+            </a:r>
+            <a:endParaRPr lang="ko-KR" altLang="en-US"/>
           </a:p>
           <a:p>
-            <a:pPr lvl="1"/>
-            <a:r>
-              <a:rPr lang="ko-KR" altLang="en-US" noProof="0"/>
+            <a:pPr lvl="1">
+              <a:defRPr lang="ko-KR" altLang="en-US"/>
+            </a:pPr>
+            <a:r>
+              <a:rPr lang="ko-KR" altLang="en-US"/>
               <a:t>둘째 수준</a:t>
             </a:r>
+            <a:endParaRPr lang="ko-KR" altLang="en-US"/>
           </a:p>
           <a:p>
-            <a:pPr lvl="2"/>
-            <a:r>
-              <a:rPr lang="ko-KR" altLang="en-US" noProof="0"/>
+            <a:pPr lvl="2">
+              <a:defRPr lang="ko-KR" altLang="en-US"/>
+            </a:pPr>
+            <a:r>
+              <a:rPr lang="ko-KR" altLang="en-US"/>
               <a:t>셋째 수준</a:t>
             </a:r>
+            <a:endParaRPr lang="ko-KR" altLang="en-US"/>
           </a:p>
           <a:p>
-            <a:pPr lvl="3"/>
-            <a:r>
-              <a:rPr lang="ko-KR" altLang="en-US" noProof="0"/>
+            <a:pPr lvl="3">
+              <a:defRPr lang="ko-KR" altLang="en-US"/>
+            </a:pPr>
+            <a:r>
+              <a:rPr lang="ko-KR" altLang="en-US"/>
               <a:t>넷째 수준</a:t>
             </a:r>
+            <a:endParaRPr lang="ko-KR" altLang="en-US"/>
           </a:p>
           <a:p>
-            <a:pPr lvl="4"/>
-            <a:r>
-              <a:rPr lang="ko-KR" altLang="en-US" noProof="0"/>
+            <a:pPr lvl="4">
+              <a:defRPr lang="ko-KR" altLang="en-US"/>
+            </a:pPr>
+            <a:r>
+              <a:rPr lang="ko-KR" altLang="en-US"/>
               <a:t>다섯째 수준</a:t>
             </a:r>
+            <a:endParaRPr lang="ko-KR" altLang="en-US"/>
           </a:p>
         </p:txBody>
       </p:sp>
       <p:sp>
         <p:nvSpPr>
-          <p:cNvPr id="6" name="바닥글 개체 틀 5">
-            <a:extLst>
-              <a:ext uri="{FF2B5EF4-FFF2-40B4-BE49-F238E27FC236}">
-                <a16:creationId xmlns:a16="http://schemas.microsoft.com/office/drawing/2014/main" id="{3097EA6A-DFF3-4031-B2DB-B8F0C59EF5B6}"/>
-              </a:ext>
-            </a:extLst>
-          </p:cNvPr>
+          <p:cNvPr id="6" name="바닥글 개체 틀 5"/>
           <p:cNvSpPr>
             <a:spLocks noGrp="1"/>
           </p:cNvSpPr>
@@ -5204,7 +5142,7 @@
           </a:prstGeom>
         </p:spPr>
         <p:txBody>
-          <a:bodyPr vert="horz" lIns="91440" tIns="45720" rIns="91440" bIns="45720" rtlCol="0" anchor="b"/>
+          <a:bodyPr vert="horz" lIns="91440" tIns="45720" rIns="91440" bIns="45720" anchor="b"/>
           <a:lstStyle>
             <a:lvl1pPr algn="l">
               <a:defRPr sz="1200"/>
@@ -5212,21 +5150,19 @@
           </a:lstStyle>
           <a:p>
             <a:pPr>
-              <a:defRPr/>
+              <a:defRPr lang="ko-KR"/>
             </a:pPr>
+            <a:r>
+              <a:rPr lang="ko-KR" altLang="en-US"/>
+              <a:t/>
+            </a:r>
             <a:endParaRPr lang="ko-KR" altLang="en-US"/>
           </a:p>
         </p:txBody>
       </p:sp>
       <p:sp>
         <p:nvSpPr>
-          <p:cNvPr id="7" name="슬라이드 번호 개체 틀 6">
-            <a:extLst>
-              <a:ext uri="{FF2B5EF4-FFF2-40B4-BE49-F238E27FC236}">
-                <a16:creationId xmlns:a16="http://schemas.microsoft.com/office/drawing/2014/main" id="{53483748-CC11-4FD5-9189-939F40637045}"/>
-              </a:ext>
-            </a:extLst>
-          </p:cNvPr>
+          <p:cNvPr id="7" name="슬라이드 번호 개체 틀 6"/>
           <p:cNvSpPr>
             <a:spLocks noGrp="1"/>
           </p:cNvSpPr>
@@ -5244,7 +5180,7 @@
           </a:prstGeom>
         </p:spPr>
         <p:txBody>
-          <a:bodyPr vert="horz" wrap="square" lIns="91440" tIns="45720" rIns="91440" bIns="45720" numCol="1" anchor="b" anchorCtr="0" compatLnSpc="1">
+          <a:bodyPr vert="horz" wrap="square" lIns="91440" tIns="45720" rIns="91440" bIns="45720" anchor="b" anchorCtr="0">
             <a:prstTxWarp prst="textNoShape">
               <a:avLst/>
             </a:prstTxWarp>
@@ -5256,12 +5192,12 @@
           </a:lstStyle>
           <a:p>
             <a:pPr>
-              <a:defRPr/>
+              <a:defRPr lang="ko-KR"/>
             </a:pPr>
             <a:fld id="{22D6D723-6FAE-4977-A65A-290E950EFE4D}" type="slidenum">
               <a:rPr lang="ko-KR" altLang="en-US"/>
               <a:pPr>
-                <a:defRPr/>
+                <a:defRPr lang="ko-KR"/>
               </a:pPr>
               <a:t>‹#›</a:t>
             </a:fld>
@@ -5270,13 +5206,9 @@
         </p:txBody>
       </p:sp>
     </p:spTree>
-    <p:extLst>
-      <p:ext uri="{BB962C8B-B14F-4D97-AF65-F5344CB8AC3E}">
-        <p14:creationId xmlns:p14="http://schemas.microsoft.com/office/powerpoint/2010/main" val="2847165310"/>
-      </p:ext>
-    </p:extLst>
   </p:cSld>
   <p:clrMap bg1="lt1" tx1="dk1" bg2="lt2" tx2="dk2" accent1="accent1" accent2="accent2" accent3="accent3" accent4="accent4" accent5="accent5" accent6="accent6" hlink="hlink" folHlink="folHlink"/>
+  <p:hf hdr="0" ftr="0" dt="0"/>
   <p:notesStyle>
     <a:lvl1pPr algn="l" rtl="0" eaLnBrk="0" fontAlgn="base" latinLnBrk="1" hangingPunct="0">
       <a:spcBef>
@@ -5403,7 +5335,7 @@
 </file>
 
 <file path=ppt/notesSlides/notesSlide1.xml><?xml version="1.0" encoding="utf-8"?>
-<p:notes xmlns:a="http://schemas.openxmlformats.org/drawingml/2006/main" xmlns:r="http://schemas.openxmlformats.org/officeDocument/2006/relationships" xmlns:p="http://schemas.openxmlformats.org/presentationml/2006/main">
+<p:notes xmlns:r="http://schemas.openxmlformats.org/officeDocument/2006/relationships" xmlns:c="http://schemas.openxmlformats.org/drawingml/2006/chart" xmlns:a="http://schemas.openxmlformats.org/drawingml/2006/main" xmlns:dgm="http://schemas.openxmlformats.org/drawingml/2006/diagram" xmlns:dsp="http://schemas.microsoft.com/office/drawing/2008/diagram" xmlns:p="http://schemas.openxmlformats.org/presentationml/2006/main">
   <p:cSld>
     <p:spTree>
       <p:nvGrpSpPr>
@@ -5423,10 +5355,10 @@
         <p:nvSpPr>
           <p:cNvPr id="2" name="슬라이드 이미지 개체 틀 1"/>
           <p:cNvSpPr>
-            <a:spLocks noGrp="1" noRot="1" noChangeAspect="1"/>
+            <a:spLocks noGrp="1" noRot="1" noChangeAspect="1" noTextEdit="1"/>
           </p:cNvSpPr>
           <p:nvPr>
-            <p:ph type="sldImg"/>
+            <p:ph type="sldImg" idx="0"/>
           </p:nvPr>
         </p:nvSpPr>
         <p:spPr/>
@@ -5446,6 +5378,13 @@
           <a:bodyPr/>
           <a:lstStyle/>
           <a:p>
+            <a:pPr lvl="0">
+              <a:defRPr lang="ko-KR" altLang="en-US"/>
+            </a:pPr>
+            <a:r>
+              <a:rPr lang="ko-KR" altLang="en-US"/>
+              <a:t/>
+            </a:r>
             <a:endParaRPr lang="ko-KR" altLang="en-US"/>
           </a:p>
         </p:txBody>
@@ -5466,29 +5405,21 @@
           <a:lstStyle/>
           <a:p>
             <a:pPr>
-              <a:defRPr/>
+              <a:defRPr lang="ko-KR"/>
             </a:pPr>
             <a:fld id="{22D6D723-6FAE-4977-A65A-290E950EFE4D}" type="slidenum">
-              <a:rPr lang="ko-KR" altLang="en-US" smtClean="0"/>
+              <a:rPr lang="en-US" altLang="en-US"/>
               <a:pPr>
-                <a:defRPr/>
+                <a:defRPr lang="ko-KR"/>
               </a:pPr>
               <a:t>1</a:t>
             </a:fld>
-            <a:endParaRPr lang="ko-KR" altLang="en-US"/>
+            <a:endParaRPr lang="en-US" altLang="en-US"/>
           </a:p>
         </p:txBody>
       </p:sp>
     </p:spTree>
-    <p:extLst>
-      <p:ext uri="{BB962C8B-B14F-4D97-AF65-F5344CB8AC3E}">
-        <p14:creationId xmlns:p14="http://schemas.microsoft.com/office/powerpoint/2010/main" val="3551609649"/>
-      </p:ext>
-    </p:extLst>
   </p:cSld>
-  <p:clrMapOvr>
-    <a:masterClrMapping/>
-  </p:clrMapOvr>
 </p:notes>
 </file>
 
@@ -6307,7 +6238,7 @@
 </file>
 
 <file path=ppt/slides/slide1.xml><?xml version="1.0" encoding="utf-8"?>
-<p:sld xmlns:a="http://schemas.openxmlformats.org/drawingml/2006/main" xmlns:r="http://schemas.openxmlformats.org/officeDocument/2006/relationships" xmlns:p="http://schemas.openxmlformats.org/presentationml/2006/main" showMasterSp="0">
+<p:sld xmlns:r="http://schemas.openxmlformats.org/officeDocument/2006/relationships" xmlns:c="http://schemas.openxmlformats.org/drawingml/2006/chart" xmlns:a="http://schemas.openxmlformats.org/drawingml/2006/main" xmlns:dgm="http://schemas.openxmlformats.org/drawingml/2006/diagram" xmlns:dsp="http://schemas.microsoft.com/office/drawing/2008/diagram" xmlns:p="http://schemas.openxmlformats.org/presentationml/2006/main" showMasterSp="0">
   <p:cSld>
     <p:spTree>
       <p:nvGrpSpPr>
@@ -6325,20 +6256,14 @@
       </p:grpSpPr>
       <p:sp>
         <p:nvSpPr>
-          <p:cNvPr id="11" name="TextBox 10">
-            <a:extLst>
-              <a:ext uri="{FF2B5EF4-FFF2-40B4-BE49-F238E27FC236}">
-                <a16:creationId xmlns:a16="http://schemas.microsoft.com/office/drawing/2014/main" id="{94A0F72E-1949-4219-AC42-014A834BDE88}"/>
-              </a:ext>
-            </a:extLst>
-          </p:cNvPr>
+          <p:cNvPr id="11" name="TextBox 10"/>
           <p:cNvSpPr txBox="1"/>
           <p:nvPr/>
         </p:nvSpPr>
         <p:spPr>
           <a:xfrm>
-            <a:off x="6708068" y="4149070"/>
-            <a:ext cx="5158567" cy="1015663"/>
+            <a:off x="5879976" y="4149070"/>
+            <a:ext cx="5984363" cy="1003955"/>
           </a:xfrm>
           <a:prstGeom prst="rect">
             <a:avLst/>
@@ -6346,12 +6271,12 @@
           <a:noFill/>
         </p:spPr>
         <p:txBody>
-          <a:bodyPr tIns="0" bIns="0">
+          <a:bodyPr wrap="square" tIns="0" bIns="0">
             <a:spAutoFit/>
           </a:bodyPr>
           <a:lstStyle/>
           <a:p>
-            <a:pPr algn="r" eaLnBrk="1" fontAlgn="auto" latinLnBrk="1" hangingPunct="1">
+            <a:pPr algn="r" eaLnBrk="1" latinLnBrk="1" hangingPunct="1">
               <a:lnSpc>
                 <a:spcPct val="150000"/>
               </a:lnSpc>
@@ -6361,10 +6286,10 @@
               <a:spcAft>
                 <a:spcPts val="0"/>
               </a:spcAft>
-              <a:defRPr/>
+              <a:defRPr lang="ko-KR"/>
             </a:pPr>
             <a:r>
-              <a:rPr lang="en-US" altLang="ko-KR" sz="2400" b="1" dirty="0">
+              <a:rPr lang="en-US" altLang="ko-KR" sz="2400" b="1">
                 <a:solidFill>
                   <a:schemeClr val="tx1">
                     <a:lumMod val="75000"/>
@@ -6374,10 +6299,10 @@
                 <a:latin typeface="+mj-ea"/>
                 <a:ea typeface="+mj-ea"/>
               </a:rPr>
-              <a:t>TEAM 1</a:t>
-            </a:r>
-            <a:r>
-              <a:rPr lang="ko-KR" altLang="en-US" sz="2400" b="1" dirty="0">
+              <a:t>TEAM </a:t>
+            </a:r>
+            <a:r>
+              <a:rPr lang="ko-KR" altLang="en-US" sz="2400" b="1">
                 <a:solidFill>
                   <a:schemeClr val="tx1">
                     <a:lumMod val="75000"/>
@@ -6387,76 +6312,21 @@
                 <a:latin typeface="+mj-ea"/>
                 <a:ea typeface="+mj-ea"/>
               </a:rPr>
-              <a:t>조 </a:t>
-            </a:r>
-            <a:r>
-              <a:rPr lang="ko-KR" altLang="en-US" sz="2400" b="1" dirty="0" err="1" smtClean="0">
-                <a:solidFill>
-                  <a:schemeClr val="tx1">
-                    <a:lumMod val="75000"/>
-                    <a:lumOff val="25000"/>
-                  </a:schemeClr>
-                </a:solidFill>
-                <a:latin typeface="+mj-ea"/>
-                <a:ea typeface="+mj-ea"/>
-              </a:rPr>
-              <a:t>어벤져스</a:t>
-            </a:r>
-            <a:r>
-              <a:rPr lang="ko-KR" altLang="en-US" sz="2400" b="1" dirty="0" smtClean="0">
-                <a:solidFill>
-                  <a:schemeClr val="tx1">
-                    <a:lumMod val="75000"/>
-                    <a:lumOff val="25000"/>
-                  </a:schemeClr>
-                </a:solidFill>
-                <a:latin typeface="+mj-ea"/>
-                <a:ea typeface="+mj-ea"/>
-              </a:rPr>
-              <a:t> </a:t>
-            </a:r>
-            <a:r>
-              <a:rPr lang="en-US" altLang="ko-KR" sz="2400" b="1" dirty="0">
-                <a:solidFill>
-                  <a:schemeClr val="tx1">
-                    <a:lumMod val="75000"/>
-                    <a:lumOff val="25000"/>
-                  </a:schemeClr>
-                </a:solidFill>
-                <a:latin typeface="+mj-ea"/>
-                <a:ea typeface="+mj-ea"/>
-              </a:rPr>
-              <a:t>(</a:t>
-            </a:r>
-            <a:r>
-              <a:rPr lang="ko-KR" altLang="en-US" sz="2400" b="1" dirty="0" err="1">
-                <a:solidFill>
-                  <a:schemeClr val="tx1">
-                    <a:lumMod val="75000"/>
-                    <a:lumOff val="25000"/>
-                  </a:schemeClr>
-                </a:solidFill>
-                <a:latin typeface="+mj-ea"/>
-                <a:ea typeface="+mj-ea"/>
-              </a:rPr>
-              <a:t>팀명</a:t>
-            </a:r>
-            <a:r>
-              <a:rPr lang="en-US" altLang="ko-KR" sz="2400" b="1" dirty="0" smtClean="0">
-                <a:solidFill>
-                  <a:schemeClr val="tx1">
-                    <a:lumMod val="75000"/>
-                    <a:lumOff val="25000"/>
-                  </a:schemeClr>
-                </a:solidFill>
-                <a:latin typeface="+mj-ea"/>
-                <a:ea typeface="+mj-ea"/>
-              </a:rPr>
-              <a:t>)</a:t>
-            </a:r>
+              <a:t>1  동주형</a:t>
+            </a:r>
+            <a:endParaRPr lang="ko-KR" altLang="en-US" sz="2400" b="1">
+              <a:solidFill>
+                <a:schemeClr val="tx1">
+                  <a:lumMod val="75000"/>
+                  <a:lumOff val="25000"/>
+                </a:schemeClr>
+              </a:solidFill>
+              <a:latin typeface="+mj-ea"/>
+              <a:ea typeface="+mj-ea"/>
+            </a:endParaRPr>
           </a:p>
           <a:p>
-            <a:pPr algn="r" eaLnBrk="1" fontAlgn="auto" latinLnBrk="1" hangingPunct="1">
+            <a:pPr algn="r" eaLnBrk="1" latinLnBrk="1" hangingPunct="1">
               <a:lnSpc>
                 <a:spcPct val="150000"/>
               </a:lnSpc>
@@ -6466,10 +6336,10 @@
               <a:spcAft>
                 <a:spcPts val="0"/>
               </a:spcAft>
-              <a:defRPr/>
+              <a:defRPr lang="ko-KR"/>
             </a:pPr>
             <a:r>
-              <a:rPr lang="ko-KR" altLang="en-US" sz="2000" b="1" dirty="0" smtClean="0">
+              <a:rPr lang="ko-KR" altLang="en-US" sz="2000" b="1">
                 <a:solidFill>
                   <a:schemeClr val="tx1">
                     <a:lumMod val="75000"/>
@@ -6479,126 +6349,9 @@
                 <a:latin typeface="+mj-ea"/>
                 <a:ea typeface="+mj-ea"/>
               </a:rPr>
-              <a:t>김</a:t>
-            </a:r>
-            <a:r>
-              <a:rPr lang="ko-KR" altLang="en-US" sz="2000" b="1" dirty="0">
-                <a:solidFill>
-                  <a:schemeClr val="tx1">
-                    <a:lumMod val="75000"/>
-                    <a:lumOff val="25000"/>
-                  </a:schemeClr>
-                </a:solidFill>
-                <a:latin typeface="+mj-ea"/>
-                <a:ea typeface="+mj-ea"/>
-              </a:rPr>
-              <a:t>○○</a:t>
-            </a:r>
-            <a:r>
-              <a:rPr lang="en-US" altLang="ko-KR" sz="2000" b="1" dirty="0">
-                <a:solidFill>
-                  <a:schemeClr val="tx1">
-                    <a:lumMod val="75000"/>
-                    <a:lumOff val="25000"/>
-                  </a:schemeClr>
-                </a:solidFill>
-                <a:latin typeface="+mj-ea"/>
-                <a:ea typeface="+mj-ea"/>
-              </a:rPr>
-              <a:t>, </a:t>
-            </a:r>
-            <a:r>
-              <a:rPr lang="ko-KR" altLang="en-US" sz="2000" b="1" dirty="0">
-                <a:solidFill>
-                  <a:schemeClr val="tx1">
-                    <a:lumMod val="75000"/>
-                    <a:lumOff val="25000"/>
-                  </a:schemeClr>
-                </a:solidFill>
-                <a:latin typeface="+mj-ea"/>
-                <a:ea typeface="+mj-ea"/>
-              </a:rPr>
-              <a:t>박○○</a:t>
-            </a:r>
-            <a:r>
-              <a:rPr lang="en-US" altLang="ko-KR" sz="2000" b="1" dirty="0">
-                <a:solidFill>
-                  <a:schemeClr val="tx1">
-                    <a:lumMod val="75000"/>
-                    <a:lumOff val="25000"/>
-                  </a:schemeClr>
-                </a:solidFill>
-                <a:latin typeface="+mj-ea"/>
-                <a:ea typeface="+mj-ea"/>
-              </a:rPr>
-              <a:t>, </a:t>
-            </a:r>
-            <a:r>
-              <a:rPr lang="ko-KR" altLang="en-US" sz="2000" b="1" dirty="0">
-                <a:solidFill>
-                  <a:schemeClr val="tx1">
-                    <a:lumMod val="75000"/>
-                    <a:lumOff val="25000"/>
-                  </a:schemeClr>
-                </a:solidFill>
-                <a:latin typeface="+mj-ea"/>
-                <a:ea typeface="+mj-ea"/>
-              </a:rPr>
-              <a:t>이○○</a:t>
-            </a:r>
-            <a:r>
-              <a:rPr lang="en-US" altLang="ko-KR" sz="2000" b="1" dirty="0">
-                <a:solidFill>
-                  <a:schemeClr val="tx1">
-                    <a:lumMod val="75000"/>
-                    <a:lumOff val="25000"/>
-                  </a:schemeClr>
-                </a:solidFill>
-                <a:latin typeface="+mj-ea"/>
-                <a:ea typeface="+mj-ea"/>
-              </a:rPr>
-              <a:t>, </a:t>
-            </a:r>
-            <a:r>
-              <a:rPr lang="ko-KR" altLang="en-US" sz="2000" b="1" dirty="0">
-                <a:solidFill>
-                  <a:schemeClr val="tx1">
-                    <a:lumMod val="75000"/>
-                    <a:lumOff val="25000"/>
-                  </a:schemeClr>
-                </a:solidFill>
-                <a:latin typeface="+mj-ea"/>
-                <a:ea typeface="+mj-ea"/>
-              </a:rPr>
-              <a:t>최○○</a:t>
-            </a:r>
-            <a:r>
-              <a:rPr lang="en-US" altLang="ko-KR" sz="2000" b="1" dirty="0">
-                <a:solidFill>
-                  <a:schemeClr val="tx1">
-                    <a:lumMod val="75000"/>
-                    <a:lumOff val="25000"/>
-                  </a:schemeClr>
-                </a:solidFill>
-                <a:latin typeface="+mj-ea"/>
-                <a:ea typeface="+mj-ea"/>
-              </a:rPr>
-              <a:t>, </a:t>
-            </a:r>
-            <a:r>
-              <a:rPr lang="ko-KR" altLang="en-US" sz="2000" b="1" dirty="0">
-                <a:solidFill>
-                  <a:schemeClr val="tx1">
-                    <a:lumMod val="75000"/>
-                    <a:lumOff val="25000"/>
-                  </a:schemeClr>
-                </a:solidFill>
-                <a:latin typeface="+mj-ea"/>
-                <a:ea typeface="+mj-ea"/>
-              </a:rPr>
-              <a:t>정○○</a:t>
-            </a:r>
-            <a:endParaRPr lang="en-US" altLang="ko-KR" sz="2000" b="1" dirty="0">
+              <a:t>김상재, 김성진, 김민경, 신철헌, 이지현, 최동주</a:t>
+            </a:r>
+            <a:endParaRPr lang="ko-KR" altLang="en-US" sz="2000" b="1">
               <a:solidFill>
                 <a:schemeClr val="tx1">
                   <a:lumMod val="75000"/>
@@ -6626,7 +6379,7 @@
             <a:avLst/>
           </a:prstGeom>
           <a:solidFill>
-            <a:srgbClr val="F2F2F2"/>
+            <a:srgbClr val="f2f2f2"/>
           </a:solidFill>
           <a:ln>
             <a:noFill/>
@@ -6656,10 +6409,12 @@
           </a:fontRef>
         </p:style>
         <p:txBody>
-          <a:bodyPr rtlCol="0" anchor="ctr"/>
+          <a:bodyPr anchor="ctr"/>
           <a:lstStyle/>
           <a:p>
-            <a:pPr algn="ctr"/>
+            <a:pPr algn="ctr">
+              <a:defRPr lang="ko-KR" altLang="en-US"/>
+            </a:pPr>
             <a:endParaRPr lang="ko-KR" altLang="en-US">
               <a:solidFill>
                 <a:srgbClr val="939597"/>
@@ -6677,7 +6432,7 @@
         <p:spPr>
           <a:xfrm>
             <a:off x="182860" y="1803510"/>
-            <a:ext cx="2629366" cy="338554"/>
+            <a:ext cx="2623205" cy="338554"/>
           </a:xfrm>
           <a:prstGeom prst="rect">
             <a:avLst/>
@@ -6685,52 +6440,52 @@
           <a:noFill/>
         </p:spPr>
         <p:txBody>
-          <a:bodyPr wrap="square" rtlCol="0">
+          <a:bodyPr wrap="square">
             <a:spAutoFit/>
           </a:bodyPr>
           <a:lstStyle/>
           <a:p>
-            <a:pPr lvl="0" algn="ctr" eaLnBrk="1" fontAlgn="auto" latinLnBrk="1" hangingPunct="1">
+            <a:pPr lvl="0" algn="ctr" eaLnBrk="1" latinLnBrk="1" hangingPunct="1">
               <a:spcBef>
                 <a:spcPts val="0"/>
               </a:spcBef>
               <a:spcAft>
                 <a:spcPts val="0"/>
               </a:spcAft>
-              <a:defRPr/>
+              <a:defRPr lang="ko-KR"/>
             </a:pPr>
             <a:r>
-              <a:rPr lang="en-US" altLang="ko-KR" sz="1600" b="1" dirty="0" smtClean="0">
+              <a:rPr lang="en-US" altLang="ko-KR" sz="1600" b="1">
                 <a:solidFill>
                   <a:schemeClr val="tx1">
                     <a:lumMod val="75000"/>
                     <a:lumOff val="25000"/>
                   </a:schemeClr>
                 </a:solidFill>
-                <a:latin typeface="맑은 고딕" panose="020B0503020000020004" pitchFamily="50" charset="-127"/>
+                <a:latin typeface="맑은 고딕"/>
               </a:rPr>
               <a:t>DW</a:t>
             </a:r>
             <a:r>
-              <a:rPr lang="ko-KR" altLang="en-US" sz="1600" b="1" dirty="0" smtClean="0">
+              <a:rPr lang="ko-KR" altLang="en-US" sz="1600" b="1">
                 <a:solidFill>
                   <a:schemeClr val="tx1">
                     <a:lumMod val="75000"/>
                     <a:lumOff val="25000"/>
                   </a:schemeClr>
                 </a:solidFill>
-                <a:latin typeface="맑은 고딕" panose="020B0503020000020004" pitchFamily="50" charset="-127"/>
+                <a:latin typeface="맑은 고딕"/>
               </a:rPr>
               <a:t>아카데미</a:t>
             </a:r>
-            <a:endParaRPr lang="ko-KR" altLang="en-US" sz="1600" b="1" dirty="0">
+            <a:endParaRPr lang="ko-KR" altLang="en-US" sz="1600" b="1">
               <a:solidFill>
                 <a:schemeClr val="tx1">
                   <a:lumMod val="75000"/>
                   <a:lumOff val="25000"/>
                 </a:schemeClr>
               </a:solidFill>
-              <a:latin typeface="맑은 고딕" panose="020B0503020000020004" pitchFamily="50" charset="-127"/>
+              <a:latin typeface="맑은 고딕"/>
             </a:endParaRPr>
           </a:p>
         </p:txBody>
@@ -6743,7 +6498,7 @@
           </p:cNvSpPr>
           <p:nvPr/>
         </p:nvSpPr>
-        <p:spPr bwMode="auto">
+        <p:spPr>
           <a:xfrm>
             <a:off x="0" y="0"/>
             <a:ext cx="12192000" cy="457200"/>
@@ -6756,37 +6511,9 @@
             <a:noFill/>
           </a:ln>
           <a:effectLst/>
-          <a:extLst>
-            <a:ext uri="{909E8E84-426E-40DD-AFC4-6F175D3DCCD1}">
-              <a14:hiddenFill xmlns:a14="http://schemas.microsoft.com/office/drawing/2010/main">
-                <a:solidFill>
-                  <a:schemeClr val="accent1"/>
-                </a:solidFill>
-              </a14:hiddenFill>
-            </a:ext>
-            <a:ext uri="{91240B29-F687-4F45-9708-019B960494DF}">
-              <a14:hiddenLine xmlns:a14="http://schemas.microsoft.com/office/drawing/2010/main" w="9525">
-                <a:solidFill>
-                  <a:schemeClr val="tx1"/>
-                </a:solidFill>
-                <a:miter lim="800000"/>
-                <a:headEnd/>
-                <a:tailEnd/>
-              </a14:hiddenLine>
-            </a:ext>
-            <a:ext uri="{AF507438-7753-43E0-B8FC-AC1667EBCBE1}">
-              <a14:hiddenEffects xmlns:a14="http://schemas.microsoft.com/office/drawing/2010/main">
-                <a:effectLst>
-                  <a:outerShdw dist="35921" dir="2700000" algn="ctr" rotWithShape="0">
-                    <a:schemeClr val="bg2"/>
-                  </a:outerShdw>
-                </a:effectLst>
-              </a14:hiddenEffects>
-            </a:ext>
-          </a:extLst>
         </p:spPr>
         <p:txBody>
-          <a:bodyPr vert="horz" wrap="none" lIns="91440" tIns="45720" rIns="91440" bIns="45720" numCol="1" anchor="ctr" anchorCtr="0" compatLnSpc="1">
+          <a:bodyPr vert="horz" wrap="none" lIns="91440" tIns="45720" rIns="91440" bIns="45720" anchor="ctr" anchorCtr="0">
             <a:prstTxWarp prst="textNoShape">
               <a:avLst/>
             </a:prstTxWarp>
@@ -6794,6 +6521,9 @@
           </a:bodyPr>
           <a:lstStyle/>
           <a:p>
+            <a:pPr lvl="0">
+              <a:defRPr lang="ko-KR" altLang="en-US"/>
+            </a:pPr>
             <a:endParaRPr lang="ko-KR" altLang="en-US"/>
           </a:p>
         </p:txBody>
@@ -6806,14 +6536,8 @@
           </p:cNvPicPr>
           <p:nvPr/>
         </p:nvPicPr>
-        <p:blipFill>
-          <a:blip r:embed="rId3" cstate="print">
-            <a:extLst>
-              <a:ext uri="{28A0092B-C50C-407E-A947-70E740481C1C}">
-                <a14:useLocalDpi xmlns:a14="http://schemas.microsoft.com/office/drawing/2010/main" val="0"/>
-              </a:ext>
-            </a:extLst>
-          </a:blip>
+        <p:blipFill rotWithShape="1">
+          <a:blip r:embed="rId3"/>
           <a:stretch>
             <a:fillRect/>
           </a:stretch>
@@ -6836,7 +6560,7 @@
           </p:cNvSpPr>
           <p:nvPr/>
         </p:nvSpPr>
-        <p:spPr bwMode="auto">
+        <p:spPr>
           <a:xfrm>
             <a:off x="10859084" y="-40947"/>
             <a:ext cx="8851785" cy="286082"/>
@@ -6849,37 +6573,9 @@
             <a:noFill/>
           </a:ln>
           <a:effectLst/>
-          <a:extLst>
-            <a:ext uri="{909E8E84-426E-40DD-AFC4-6F175D3DCCD1}">
-              <a14:hiddenFill xmlns:a14="http://schemas.microsoft.com/office/drawing/2010/main">
-                <a:solidFill>
-                  <a:schemeClr val="accent1"/>
-                </a:solidFill>
-              </a14:hiddenFill>
-            </a:ext>
-            <a:ext uri="{91240B29-F687-4F45-9708-019B960494DF}">
-              <a14:hiddenLine xmlns:a14="http://schemas.microsoft.com/office/drawing/2010/main" w="9525">
-                <a:solidFill>
-                  <a:schemeClr val="tx1"/>
-                </a:solidFill>
-                <a:miter lim="800000"/>
-                <a:headEnd/>
-                <a:tailEnd/>
-              </a14:hiddenLine>
-            </a:ext>
-            <a:ext uri="{AF507438-7753-43E0-B8FC-AC1667EBCBE1}">
-              <a14:hiddenEffects xmlns:a14="http://schemas.microsoft.com/office/drawing/2010/main">
-                <a:effectLst>
-                  <a:outerShdw dist="35921" dir="2700000" algn="ctr" rotWithShape="0">
-                    <a:schemeClr val="bg2"/>
-                  </a:outerShdw>
-                </a:effectLst>
-              </a14:hiddenEffects>
-            </a:ext>
-          </a:extLst>
         </p:spPr>
         <p:txBody>
-          <a:bodyPr vert="horz" wrap="square" lIns="91440" tIns="45720" rIns="91440" bIns="45720" numCol="1" anchor="ctr" anchorCtr="0" compatLnSpc="1">
+          <a:bodyPr vert="horz" wrap="square" lIns="91440" tIns="45720" rIns="91440" bIns="45720" anchor="ctr" anchorCtr="0">
             <a:prstTxWarp prst="textNoShape">
               <a:avLst/>
             </a:prstTxWarp>
@@ -6887,6 +6583,9 @@
           </a:bodyPr>
           <a:lstStyle/>
           <a:p>
+            <a:pPr lvl="0">
+              <a:defRPr lang="ko-KR" altLang="en-US"/>
+            </a:pPr>
             <a:endParaRPr lang="ko-KR" altLang="en-US"/>
           </a:p>
         </p:txBody>
@@ -6899,20 +6598,14 @@
           </p:cNvPicPr>
           <p:nvPr/>
         </p:nvPicPr>
-        <p:blipFill>
-          <a:blip r:embed="rId4" cstate="print">
-            <a:extLst>
-              <a:ext uri="{28A0092B-C50C-407E-A947-70E740481C1C}">
-                <a14:useLocalDpi xmlns:a14="http://schemas.microsoft.com/office/drawing/2010/main" val="0"/>
-              </a:ext>
-            </a:extLst>
-          </a:blip>
+        <p:blipFill rotWithShape="1">
+          <a:blip r:embed="rId4"/>
           <a:srcRect/>
           <a:stretch>
             <a:fillRect/>
           </a:stretch>
         </p:blipFill>
-        <p:spPr bwMode="auto">
+        <p:spPr>
           <a:xfrm>
             <a:off x="1514464" y="6381328"/>
             <a:ext cx="1180238" cy="375740"/>
@@ -6921,33 +6614,18 @@
             <a:avLst/>
           </a:prstGeom>
           <a:noFill/>
-          <a:extLst>
-            <a:ext uri="{909E8E84-426E-40DD-AFC4-6F175D3DCCD1}">
-              <a14:hiddenFill xmlns:a14="http://schemas.microsoft.com/office/drawing/2010/main">
-                <a:solidFill>
-                  <a:srgbClr val="FFFFFF"/>
-                </a:solidFill>
-              </a14:hiddenFill>
-            </a:ext>
-          </a:extLst>
         </p:spPr>
       </p:pic>
       <p:sp>
         <p:nvSpPr>
-          <p:cNvPr id="15" name="TextBox 14">
-            <a:extLst>
-              <a:ext uri="{FF2B5EF4-FFF2-40B4-BE49-F238E27FC236}">
-                <a16:creationId xmlns:a16="http://schemas.microsoft.com/office/drawing/2014/main" id="{36C535B9-0206-4933-B3A2-FC73A8BF1A8F}"/>
-              </a:ext>
-            </a:extLst>
-          </p:cNvPr>
+          <p:cNvPr id="15" name="TextBox 14"/>
           <p:cNvSpPr txBox="1"/>
           <p:nvPr/>
         </p:nvSpPr>
         <p:spPr>
           <a:xfrm>
             <a:off x="5159896" y="2367345"/>
-            <a:ext cx="6768752" cy="615553"/>
+            <a:ext cx="6761595" cy="604455"/>
           </a:xfrm>
           <a:prstGeom prst="rect">
             <a:avLst/>
@@ -6960,17 +6638,17 @@
           </a:bodyPr>
           <a:lstStyle/>
           <a:p>
-            <a:pPr algn="ctr" eaLnBrk="1" fontAlgn="auto" latinLnBrk="1" hangingPunct="1">
+            <a:pPr algn="ctr" eaLnBrk="1" latinLnBrk="1" hangingPunct="1">
               <a:spcBef>
                 <a:spcPts val="0"/>
               </a:spcBef>
               <a:spcAft>
                 <a:spcPts val="0"/>
               </a:spcAft>
-              <a:defRPr/>
+              <a:defRPr lang="ko-KR"/>
             </a:pPr>
             <a:r>
-              <a:rPr lang="ko-KR" altLang="en-US" sz="4000" b="1" dirty="0">
+              <a:rPr lang="en-US" altLang="ko-KR" sz="4000" b="1">
                 <a:solidFill>
                   <a:schemeClr val="tx1">
                     <a:lumMod val="75000"/>
@@ -6980,74 +6658,9 @@
                 <a:latin typeface="+mj-ea"/>
                 <a:ea typeface="+mj-ea"/>
               </a:rPr>
-              <a:t>팀 </a:t>
-            </a:r>
-            <a:r>
-              <a:rPr lang="ko-KR" altLang="en-US" sz="4000" b="1" dirty="0" smtClean="0">
-                <a:solidFill>
-                  <a:schemeClr val="tx1">
-                    <a:lumMod val="75000"/>
-                    <a:lumOff val="25000"/>
-                  </a:schemeClr>
-                </a:solidFill>
-                <a:latin typeface="+mj-ea"/>
-                <a:ea typeface="+mj-ea"/>
-              </a:rPr>
-              <a:t>프로젝트 </a:t>
-            </a:r>
-            <a:r>
-              <a:rPr lang="ko-KR" altLang="en-US" sz="4000" b="1" dirty="0">
-                <a:solidFill>
-                  <a:schemeClr val="tx1">
-                    <a:lumMod val="75000"/>
-                    <a:lumOff val="25000"/>
-                  </a:schemeClr>
-                </a:solidFill>
-                <a:latin typeface="+mj-ea"/>
-                <a:ea typeface="+mj-ea"/>
-              </a:rPr>
-              <a:t>명 </a:t>
-            </a:r>
-            <a:r>
-              <a:rPr lang="en-US" altLang="ko-KR" sz="4000" b="1" dirty="0">
-                <a:solidFill>
-                  <a:schemeClr val="tx1">
-                    <a:lumMod val="75000"/>
-                    <a:lumOff val="25000"/>
-                  </a:schemeClr>
-                </a:solidFill>
-                <a:latin typeface="+mj-ea"/>
-                <a:ea typeface="+mj-ea"/>
-              </a:rPr>
-              <a:t>(</a:t>
-            </a:r>
-            <a:r>
-              <a:rPr lang="ko-KR" altLang="en-US" sz="4000" b="1" dirty="0">
-                <a:solidFill>
-                  <a:schemeClr val="tx1">
-                    <a:lumMod val="75000"/>
-                    <a:lumOff val="25000"/>
-                  </a:schemeClr>
-                </a:solidFill>
-                <a:latin typeface="+mj-ea"/>
-                <a:ea typeface="+mj-ea"/>
-              </a:rPr>
-              <a:t>주제</a:t>
-            </a:r>
-            <a:r>
-              <a:rPr lang="en-US" altLang="ko-KR" sz="4000" b="1" dirty="0">
-                <a:solidFill>
-                  <a:schemeClr val="tx1">
-                    <a:lumMod val="75000"/>
-                    <a:lumOff val="25000"/>
-                  </a:schemeClr>
-                </a:solidFill>
-                <a:latin typeface="+mj-ea"/>
-                <a:ea typeface="+mj-ea"/>
-              </a:rPr>
-              <a:t>)</a:t>
-            </a:r>
-            <a:endParaRPr lang="ko-KR" altLang="en-US" sz="4000" b="1" dirty="0">
+              <a:t>DW Cinema</a:t>
+            </a:r>
+            <a:endParaRPr lang="en-US" altLang="ko-KR" sz="4000" b="1">
               <a:solidFill>
                 <a:schemeClr val="tx1">
                   <a:lumMod val="75000"/>
@@ -7075,7 +6688,7 @@
             <a:avLst/>
           </a:prstGeom>
           <a:solidFill>
-            <a:srgbClr val="F5DF4D"/>
+            <a:srgbClr val="f5df4d"/>
           </a:solidFill>
           <a:effectLst>
             <a:outerShdw blurRad="63500" algn="ctr" rotWithShape="0">
@@ -7086,14 +6699,16 @@
           </a:effectLst>
         </p:spPr>
         <p:txBody>
-          <a:bodyPr wrap="square" rtlCol="0">
+          <a:bodyPr wrap="square">
             <a:noAutofit/>
           </a:bodyPr>
           <a:lstStyle/>
           <a:p>
-            <a:pPr algn="ctr"/>
-            <a:r>
-              <a:rPr lang="en-US" altLang="ko-KR" sz="1600" spc="600" dirty="0" smtClean="0">
+            <a:pPr algn="ctr">
+              <a:defRPr lang="ko-KR" altLang="en-US"/>
+            </a:pPr>
+            <a:r>
+              <a:rPr lang="en-US" altLang="ko-KR" sz="1600" b="0" spc="600">
                 <a:solidFill>
                   <a:schemeClr val="bg2">
                     <a:lumMod val="10000"/>
@@ -7105,7 +6720,7 @@
               <a:t>K-Digital </a:t>
             </a:r>
             <a:r>
-              <a:rPr lang="en-US" altLang="ko-KR" sz="1600" spc="600" dirty="0" smtClean="0">
+              <a:rPr lang="en-US" altLang="ko-KR" sz="1600" b="0" spc="600">
                 <a:solidFill>
                   <a:schemeClr val="tx1">
                     <a:lumMod val="85000"/>
@@ -7117,7 +6732,7 @@
               </a:rPr>
               <a:t>Training</a:t>
             </a:r>
-            <a:endParaRPr lang="ko-KR" altLang="en-US" sz="1600" spc="600" dirty="0">
+            <a:endParaRPr lang="ko-KR" altLang="en-US" sz="1600" b="0" spc="600">
               <a:solidFill>
                 <a:schemeClr val="tx1">
                   <a:lumMod val="85000"/>
@@ -7170,10 +6785,12 @@
           </a:fontRef>
         </p:style>
         <p:txBody>
-          <a:bodyPr rtlCol="0" anchor="ctr"/>
+          <a:bodyPr anchor="ctr"/>
           <a:lstStyle/>
           <a:p>
-            <a:pPr algn="ctr"/>
+            <a:pPr algn="ctr">
+              <a:defRPr lang="ko-KR" altLang="en-US"/>
+            </a:pPr>
             <a:endParaRPr lang="ko-KR" altLang="en-US"/>
           </a:p>
         </p:txBody>
@@ -7183,6 +6800,14 @@
   <p:clrMapOvr>
     <a:masterClrMapping/>
   </p:clrMapOvr>
+  <mc:AlternateContent xmlns:mc="http://schemas.openxmlformats.org/markup-compatibility/2006">
+    <mc:Choice xmlns:p14="http://schemas.microsoft.com/office/powerpoint/2010/main" Requires="p14">
+      <p:transition xmlns:mc="http://schemas.openxmlformats.org/markup-compatibility/2006" xmlns:p14="http://schemas.microsoft.com/office/powerpoint/2010/main" mc:Ignorable="p14" p14:dur="500"/>
+    </mc:Choice>
+    <mc:Fallback>
+      <p:transition/>
+    </mc:Fallback>
+  </mc:AlternateContent>
   <p:timing>
     <p:tnLst>
       <p:par>
@@ -22460,44 +22085,44 @@
 </file>
 
 <file path=ppt/theme/theme1.xml><?xml version="1.0" encoding="utf-8"?>
-<a:theme xmlns:a="http://schemas.openxmlformats.org/drawingml/2006/main" name="Office Theme">
+<a:theme xmlns:r="http://schemas.openxmlformats.org/officeDocument/2006/relationships" xmlns:c="http://schemas.openxmlformats.org/drawingml/2006/chart" xmlns:dgm="http://schemas.openxmlformats.org/drawingml/2006/diagram" xmlns:dsp="http://schemas.microsoft.com/office/drawing/2008/diagram" xmlns:a="http://schemas.openxmlformats.org/drawingml/2006/main" xmlns:pic="http://schemas.openxmlformats.org/drawingml/2006/picture" xmlns:wp="http://schemas.openxmlformats.org/drawingml/2006/wordprocessingDrawing" xmlns:xdr="http://schemas.openxmlformats.org/drawingml/2006/spreadsheetDrawing" name="Office Theme">
   <a:themeElements>
     <a:clrScheme name="김당근">
       <a:dk1>
         <a:sysClr val="windowText" lastClr="000000"/>
       </a:dk1>
       <a:lt1>
-        <a:sysClr val="window" lastClr="FFFFFF"/>
+        <a:sysClr val="window" lastClr="ffffff"/>
       </a:lt1>
       <a:dk2>
-        <a:srgbClr val="44546A"/>
+        <a:srgbClr val="44546a"/>
       </a:dk2>
       <a:lt2>
-        <a:srgbClr val="E7E6E6"/>
+        <a:srgbClr val="e7e6e6"/>
       </a:lt2>
       <a:accent1>
-        <a:srgbClr val="FE431E"/>
+        <a:srgbClr val="fe431e"/>
       </a:accent1>
       <a:accent2>
-        <a:srgbClr val="E41A00"/>
+        <a:srgbClr val="e41a00"/>
       </a:accent2>
       <a:accent3>
-        <a:srgbClr val="A5A5A5"/>
+        <a:srgbClr val="a5a5a5"/>
       </a:accent3>
       <a:accent4>
-        <a:srgbClr val="FFC000"/>
+        <a:srgbClr val="ffc000"/>
       </a:accent4>
       <a:accent5>
-        <a:srgbClr val="4472C4"/>
+        <a:srgbClr val="4472c4"/>
       </a:accent5>
       <a:accent6>
-        <a:srgbClr val="70AD47"/>
+        <a:srgbClr val="70ad47"/>
       </a:accent6>
       <a:hlink>
-        <a:srgbClr val="0563C1"/>
+        <a:srgbClr val="0563c1"/>
       </a:hlink>
       <a:folHlink>
-        <a:srgbClr val="954F72"/>
+        <a:srgbClr val="954f72"/>
       </a:folHlink>
     </a:clrScheme>
     <a:fontScheme name="Office 테마">
@@ -22636,21 +22261,21 @@
             <a:schemeClr val="phClr"/>
           </a:solidFill>
           <a:prstDash val="solid"/>
-          <a:miter lim="800000"/>
+          <a:miter/>
         </a:ln>
         <a:ln w="12700" cap="flat" cmpd="sng" algn="ctr">
           <a:solidFill>
             <a:schemeClr val="phClr"/>
           </a:solidFill>
           <a:prstDash val="solid"/>
-          <a:miter lim="800000"/>
+          <a:miter/>
         </a:ln>
         <a:ln w="19050" cap="flat" cmpd="sng" algn="ctr">
           <a:solidFill>
             <a:schemeClr val="phClr"/>
           </a:solidFill>
           <a:prstDash val="solid"/>
-          <a:miter lim="800000"/>
+          <a:miter/>
         </a:ln>
       </a:lnStyleLst>
       <a:effectStyleLst>
@@ -22710,55 +22335,48 @@
       </a:bgFillStyleLst>
     </a:fmtScheme>
   </a:themeElements>
-  <a:objectDefaults/>
-  <a:extraClrSchemeLst/>
-  <a:extLst>
-    <a:ext uri="{05A4C25C-085E-4340-85A3-A5531E510DB2}">
-      <thm15:themeFamily xmlns:thm15="http://schemas.microsoft.com/office/thememl/2012/main" name="Office Theme" id="{62F939B6-93AF-4DB8-9C6B-D6C7DFDC589F}" vid="{4A3C46E8-61CC-4603-A589-7422A47A8E4A}"/>
-    </a:ext>
-  </a:extLst>
 </a:theme>
 </file>
 
 <file path=ppt/theme/theme2.xml><?xml version="1.0" encoding="utf-8"?>
-<a:theme xmlns:a="http://schemas.openxmlformats.org/drawingml/2006/main" name="Office 테마">
+<a:theme xmlns:r="http://schemas.openxmlformats.org/officeDocument/2006/relationships" xmlns:c="http://schemas.openxmlformats.org/drawingml/2006/chart" xmlns:dgm="http://schemas.openxmlformats.org/drawingml/2006/diagram" xmlns:dsp="http://schemas.microsoft.com/office/drawing/2008/diagram" xmlns:a="http://schemas.openxmlformats.org/drawingml/2006/main" xmlns:pic="http://schemas.openxmlformats.org/drawingml/2006/picture" xmlns:wp="http://schemas.openxmlformats.org/drawingml/2006/wordprocessingDrawing" xmlns:xdr="http://schemas.openxmlformats.org/drawingml/2006/spreadsheetDrawing" name="Office 테마">
   <a:themeElements>
     <a:clrScheme name="Office">
       <a:dk1>
         <a:sysClr val="windowText" lastClr="000000"/>
       </a:dk1>
       <a:lt1>
-        <a:sysClr val="window" lastClr="FFFFFF"/>
+        <a:sysClr val="window" lastClr="ffffff"/>
       </a:lt1>
       <a:dk2>
-        <a:srgbClr val="44546A"/>
+        <a:srgbClr val="44546a"/>
       </a:dk2>
       <a:lt2>
-        <a:srgbClr val="E7E6E6"/>
+        <a:srgbClr val="e7e6e6"/>
       </a:lt2>
       <a:accent1>
-        <a:srgbClr val="4472C4"/>
+        <a:srgbClr val="4472c4"/>
       </a:accent1>
       <a:accent2>
-        <a:srgbClr val="ED7D31"/>
+        <a:srgbClr val="ed7d31"/>
       </a:accent2>
       <a:accent3>
-        <a:srgbClr val="A5A5A5"/>
+        <a:srgbClr val="a5a5a5"/>
       </a:accent3>
       <a:accent4>
-        <a:srgbClr val="FFC000"/>
+        <a:srgbClr val="ffc000"/>
       </a:accent4>
       <a:accent5>
-        <a:srgbClr val="5B9BD5"/>
+        <a:srgbClr val="5b9bd5"/>
       </a:accent5>
       <a:accent6>
-        <a:srgbClr val="70AD47"/>
+        <a:srgbClr val="70ad47"/>
       </a:accent6>
       <a:hlink>
-        <a:srgbClr val="0563C1"/>
+        <a:srgbClr val="0563c1"/>
       </a:hlink>
       <a:folHlink>
-        <a:srgbClr val="954F72"/>
+        <a:srgbClr val="954f72"/>
       </a:folHlink>
     </a:clrScheme>
     <a:fontScheme name="Office">
@@ -22931,21 +22549,21 @@
             <a:schemeClr val="phClr"/>
           </a:solidFill>
           <a:prstDash val="solid"/>
-          <a:miter lim="800000"/>
+          <a:miter/>
         </a:ln>
         <a:ln w="12700" cap="flat" cmpd="sng" algn="ctr">
           <a:solidFill>
             <a:schemeClr val="phClr"/>
           </a:solidFill>
           <a:prstDash val="solid"/>
-          <a:miter lim="800000"/>
+          <a:miter/>
         </a:ln>
         <a:ln w="19050" cap="flat" cmpd="sng" algn="ctr">
           <a:solidFill>
             <a:schemeClr val="phClr"/>
           </a:solidFill>
           <a:prstDash val="solid"/>
-          <a:miter lim="800000"/>
+          <a:miter/>
         </a:ln>
       </a:lnStyleLst>
       <a:effectStyleLst>
@@ -23005,12 +22623,5 @@
       </a:bgFillStyleLst>
     </a:fmtScheme>
   </a:themeElements>
-  <a:objectDefaults/>
-  <a:extraClrSchemeLst/>
-  <a:extLst>
-    <a:ext uri="{05A4C25C-085E-4340-85A3-A5531E510DB2}">
-      <thm15:themeFamily xmlns:thm15="http://schemas.microsoft.com/office/thememl/2012/main" name="Office Theme" id="{62F939B6-93AF-4DB8-9C6B-D6C7DFDC589F}" vid="{4A3C46E8-61CC-4603-A589-7422A47A8E4A}"/>
-    </a:ext>
-  </a:extLst>
 </a:theme>
 </file>